--- a/document/20191116_Buildings-Energyplus.pptx
+++ b/document/20191116_Buildings-Energyplus.pptx
@@ -4146,32 +4146,32 @@
               </a:lnSpc>
             </a:pPr>
             <a:r>
+              <a:rPr lang="en-US" altLang="ja-JP" sz="4800" dirty="0" err="1">
+                <a:latin typeface="HG丸ｺﾞｼｯｸM-PRO" panose="020F0600000000000000" pitchFamily="50" charset="-128"/>
+                <a:ea typeface="HG丸ｺﾞｼｯｸM-PRO" panose="020F0600000000000000" pitchFamily="50" charset="-128"/>
+              </a:rPr>
+              <a:t>Energyplus</a:t>
+            </a:r>
+            <a:r>
+              <a:rPr lang="ja-JP" altLang="en-US" sz="4800" dirty="0">
+                <a:latin typeface="HG丸ｺﾞｼｯｸM-PRO" panose="020F0600000000000000" pitchFamily="50" charset="-128"/>
+                <a:ea typeface="HG丸ｺﾞｼｯｸM-PRO" panose="020F0600000000000000" pitchFamily="50" charset="-128"/>
+              </a:rPr>
+              <a:t>を</a:t>
+            </a:r>
+            <a:r>
               <a:rPr lang="en-US" altLang="ja-JP" sz="4800" dirty="0">
                 <a:latin typeface="HG丸ｺﾞｼｯｸM-PRO" panose="020F0600000000000000" pitchFamily="50" charset="-128"/>
                 <a:ea typeface="HG丸ｺﾞｼｯｸM-PRO" panose="020F0600000000000000" pitchFamily="50" charset="-128"/>
               </a:rPr>
-              <a:t>FMI</a:t>
+              <a:t>master</a:t>
             </a:r>
             <a:r>
               <a:rPr lang="ja-JP" altLang="en-US" sz="4800" dirty="0">
                 <a:latin typeface="HG丸ｺﾞｼｯｸM-PRO" panose="020F0600000000000000" pitchFamily="50" charset="-128"/>
                 <a:ea typeface="HG丸ｺﾞｼｯｸM-PRO" panose="020F0600000000000000" pitchFamily="50" charset="-128"/>
               </a:rPr>
-              <a:t>を用いた</a:t>
-            </a:r>
-            <a:r>
-              <a:rPr lang="en-US" altLang="ja-JP" sz="4800" dirty="0" err="1">
-                <a:latin typeface="HG丸ｺﾞｼｯｸM-PRO" panose="020F0600000000000000" pitchFamily="50" charset="-128"/>
-                <a:ea typeface="HG丸ｺﾞｼｯｸM-PRO" panose="020F0600000000000000" pitchFamily="50" charset="-128"/>
-              </a:rPr>
-              <a:t>Energyplus</a:t>
-            </a:r>
-            <a:r>
-              <a:rPr lang="ja-JP" altLang="en-US" sz="4800" dirty="0">
-                <a:latin typeface="HG丸ｺﾞｼｯｸM-PRO" panose="020F0600000000000000" pitchFamily="50" charset="-128"/>
-                <a:ea typeface="HG丸ｺﾞｼｯｸM-PRO" panose="020F0600000000000000" pitchFamily="50" charset="-128"/>
-              </a:rPr>
-              <a:t>と</a:t>
+              <a:t>にした</a:t>
             </a:r>
             <a:br>
               <a:rPr lang="en-US" altLang="ja-JP" sz="4800" dirty="0">
@@ -4180,6 +4180,20 @@
               </a:rPr>
             </a:br>
             <a:r>
+              <a:rPr lang="en-US" altLang="ja-JP" sz="4800" dirty="0">
+                <a:latin typeface="HG丸ｺﾞｼｯｸM-PRO" panose="020F0600000000000000" pitchFamily="50" charset="-128"/>
+                <a:ea typeface="HG丸ｺﾞｼｯｸM-PRO" panose="020F0600000000000000" pitchFamily="50" charset="-128"/>
+              </a:rPr>
+              <a:t>FMI</a:t>
+            </a:r>
+            <a:r>
+              <a:rPr lang="ja-JP" altLang="en-US" sz="4800" dirty="0">
+                <a:latin typeface="HG丸ｺﾞｼｯｸM-PRO" panose="020F0600000000000000" pitchFamily="50" charset="-128"/>
+                <a:ea typeface="HG丸ｺﾞｼｯｸM-PRO" panose="020F0600000000000000" pitchFamily="50" charset="-128"/>
+              </a:rPr>
+              <a:t>による</a:t>
+            </a:r>
+            <a:r>
               <a:rPr lang="en-US" altLang="ja-JP" sz="4800" dirty="0" err="1">
                 <a:latin typeface="HG丸ｺﾞｼｯｸM-PRO" panose="020F0600000000000000" pitchFamily="50" charset="-128"/>
                 <a:ea typeface="HG丸ｺﾞｼｯｸM-PRO" panose="020F0600000000000000" pitchFamily="50" charset="-128"/>
@@ -4191,7 +4205,7 @@
                 <a:latin typeface="HG丸ｺﾞｼｯｸM-PRO" panose="020F0600000000000000" pitchFamily="50" charset="-128"/>
                 <a:ea typeface="HG丸ｺﾞｼｯｸM-PRO" panose="020F0600000000000000" pitchFamily="50" charset="-128"/>
               </a:rPr>
-              <a:t>の連成計算</a:t>
+              <a:t>との連成計算について</a:t>
             </a:r>
             <a:endParaRPr lang="en-US" altLang="ja-JP" sz="4800" dirty="0">
               <a:latin typeface="HG丸ｺﾞｼｯｸM-PRO" panose="020F0600000000000000" pitchFamily="50" charset="-128"/>
